--- a/presentations/Practical_6_hybrid_de_novo_assembly.pptx
+++ b/presentations/Practical_6_hybrid_de_novo_assembly.pptx
@@ -1,6 +1,6 @@
 
 <file path=ppt/presentation.xml><?xml version="1.0" encoding="utf-8"?>
-<p:presentation xmlns:a="http://schemas.openxmlformats.org/drawingml/2006/main" xmlns:r="http://schemas.openxmlformats.org/officeDocument/2006/relationships" xmlns:mc="http://schemas.openxmlformats.org/markup-compatibility/2006" xmlns:mv="urn:schemas-microsoft-com:mac:vml" xmlns:p="http://schemas.openxmlformats.org/presentationml/2006/main" mc:Ignorable="mv" mc:PreserveAttributes="mv:*" saveSubsetFonts="1" autoCompressPictures="0">
+<p:presentation xmlns:a="http://schemas.openxmlformats.org/drawingml/2006/main" xmlns:r="http://schemas.openxmlformats.org/officeDocument/2006/relationships" xmlns:p="http://schemas.openxmlformats.org/presentationml/2006/main" saveSubsetFonts="1" autoCompressPictures="0">
   <p:sldMasterIdLst>
     <p:sldMasterId id="2147483648" r:id="rId1"/>
   </p:sldMasterIdLst>
@@ -120,7 +120,7 @@
 </file>
 
 <file path=ppt/notesMasters/notesMaster1.xml><?xml version="1.0" encoding="utf-8"?>
-<p:notesMaster xmlns:a="http://schemas.openxmlformats.org/drawingml/2006/main" xmlns:r="http://schemas.openxmlformats.org/officeDocument/2006/relationships" xmlns:mc="http://schemas.openxmlformats.org/markup-compatibility/2006" xmlns:mv="urn:schemas-microsoft-com:mac:vml" xmlns:p="http://schemas.openxmlformats.org/presentationml/2006/main" mc:Ignorable="mv" mc:PreserveAttributes="mv:*">
+<p:notesMaster xmlns:a="http://schemas.openxmlformats.org/drawingml/2006/main" xmlns:r="http://schemas.openxmlformats.org/officeDocument/2006/relationships" xmlns:p="http://schemas.openxmlformats.org/presentationml/2006/main">
   <p:cSld>
     <p:bg>
       <p:bgRef idx="1001">
@@ -202,7 +202,7 @@
             <a:fld id="{7B017CDE-E91F-D348-A70E-2B7B84391936}" type="datetimeFigureOut">
               <a:rPr lang="en-US" smtClean="0"/>
               <a:pPr/>
-              <a:t>10/20/11</a:t>
+              <a:t>22/10/2011</a:t>
             </a:fld>
             <a:endParaRPr lang="en-US"/>
           </a:p>
@@ -371,6 +371,11 @@
         </p:txBody>
       </p:sp>
     </p:spTree>
+    <p:extLst>
+      <p:ext uri="{BB962C8B-B14F-4D97-AF65-F5344CB8AC3E}">
+        <p14:creationId xmlns:p14="http://schemas.microsoft.com/office/powerpoint/2010/main" val="3555718110"/>
+      </p:ext>
+    </p:extLst>
   </p:cSld>
   <p:clrMap bg1="lt1" tx1="dk1" bg2="lt2" tx2="dk2" accent1="accent1" accent2="accent2" accent3="accent3" accent4="accent4" accent5="accent5" accent6="accent6" hlink="hlink" folHlink="folHlink"/>
   <p:notesStyle>
@@ -469,7 +474,7 @@
 </file>
 
 <file path=ppt/slideLayouts/slideLayout1.xml><?xml version="1.0" encoding="utf-8"?>
-<p:sldLayout xmlns:a="http://schemas.openxmlformats.org/drawingml/2006/main" xmlns:r="http://schemas.openxmlformats.org/officeDocument/2006/relationships" xmlns:mc="http://schemas.openxmlformats.org/markup-compatibility/2006" xmlns:mv="urn:schemas-microsoft-com:mac:vml" xmlns:p="http://schemas.openxmlformats.org/presentationml/2006/main" mc:Ignorable="mv" mc:PreserveAttributes="mv:*" type="title" preserve="1">
+<p:sldLayout xmlns:a="http://schemas.openxmlformats.org/drawingml/2006/main" xmlns:r="http://schemas.openxmlformats.org/officeDocument/2006/relationships" xmlns:p="http://schemas.openxmlformats.org/presentationml/2006/main" type="title" preserve="1">
   <p:cSld name="Title Slide">
     <p:spTree>
       <p:nvGrpSpPr>
@@ -650,7 +655,7 @@
             <a:fld id="{A4AAEA4C-2FC0-8F41-AA8D-DA93A16F9072}" type="datetimeFigureOut">
               <a:rPr lang="en-US" smtClean="0"/>
               <a:pPr/>
-              <a:t>10/20/11</a:t>
+              <a:t>22/10/2011</a:t>
             </a:fld>
             <a:endParaRPr lang="en-US"/>
           </a:p>
@@ -708,7 +713,7 @@
 </file>
 
 <file path=ppt/slideLayouts/slideLayout10.xml><?xml version="1.0" encoding="utf-8"?>
-<p:sldLayout xmlns:a="http://schemas.openxmlformats.org/drawingml/2006/main" xmlns:r="http://schemas.openxmlformats.org/officeDocument/2006/relationships" xmlns:mc="http://schemas.openxmlformats.org/markup-compatibility/2006" xmlns:mv="urn:schemas-microsoft-com:mac:vml" xmlns:p="http://schemas.openxmlformats.org/presentationml/2006/main" mc:Ignorable="mv" mc:PreserveAttributes="mv:*" type="vertTx" preserve="1">
+<p:sldLayout xmlns:a="http://schemas.openxmlformats.org/drawingml/2006/main" xmlns:r="http://schemas.openxmlformats.org/officeDocument/2006/relationships" xmlns:p="http://schemas.openxmlformats.org/presentationml/2006/main" type="vertTx" preserve="1">
   <p:cSld name="Title and Vertical Text">
     <p:spTree>
       <p:nvGrpSpPr>
@@ -817,7 +822,7 @@
             <a:fld id="{A4AAEA4C-2FC0-8F41-AA8D-DA93A16F9072}" type="datetimeFigureOut">
               <a:rPr lang="en-US" smtClean="0"/>
               <a:pPr/>
-              <a:t>10/20/11</a:t>
+              <a:t>22/10/2011</a:t>
             </a:fld>
             <a:endParaRPr lang="en-US"/>
           </a:p>
@@ -875,7 +880,7 @@
 </file>
 
 <file path=ppt/slideLayouts/slideLayout11.xml><?xml version="1.0" encoding="utf-8"?>
-<p:sldLayout xmlns:a="http://schemas.openxmlformats.org/drawingml/2006/main" xmlns:r="http://schemas.openxmlformats.org/officeDocument/2006/relationships" xmlns:mc="http://schemas.openxmlformats.org/markup-compatibility/2006" xmlns:mv="urn:schemas-microsoft-com:mac:vml" xmlns:p="http://schemas.openxmlformats.org/presentationml/2006/main" mc:Ignorable="mv" mc:PreserveAttributes="mv:*" type="vertTitleAndTx" preserve="1">
+<p:sldLayout xmlns:a="http://schemas.openxmlformats.org/drawingml/2006/main" xmlns:r="http://schemas.openxmlformats.org/officeDocument/2006/relationships" xmlns:p="http://schemas.openxmlformats.org/presentationml/2006/main" type="vertTitleAndTx" preserve="1">
   <p:cSld name="Vertical Title and Text">
     <p:spTree>
       <p:nvGrpSpPr>
@@ -994,7 +999,7 @@
             <a:fld id="{A4AAEA4C-2FC0-8F41-AA8D-DA93A16F9072}" type="datetimeFigureOut">
               <a:rPr lang="en-US" smtClean="0"/>
               <a:pPr/>
-              <a:t>10/20/11</a:t>
+              <a:t>22/10/2011</a:t>
             </a:fld>
             <a:endParaRPr lang="en-US"/>
           </a:p>
@@ -1052,7 +1057,7 @@
 </file>
 
 <file path=ppt/slideLayouts/slideLayout2.xml><?xml version="1.0" encoding="utf-8"?>
-<p:sldLayout xmlns:a="http://schemas.openxmlformats.org/drawingml/2006/main" xmlns:r="http://schemas.openxmlformats.org/officeDocument/2006/relationships" xmlns:mc="http://schemas.openxmlformats.org/markup-compatibility/2006" xmlns:mv="urn:schemas-microsoft-com:mac:vml" xmlns:p="http://schemas.openxmlformats.org/presentationml/2006/main" mc:Ignorable="mv" mc:PreserveAttributes="mv:*" type="obj" preserve="1">
+<p:sldLayout xmlns:a="http://schemas.openxmlformats.org/drawingml/2006/main" xmlns:r="http://schemas.openxmlformats.org/officeDocument/2006/relationships" xmlns:p="http://schemas.openxmlformats.org/presentationml/2006/main" type="obj" preserve="1">
   <p:cSld name="Title and Content">
     <p:spTree>
       <p:nvGrpSpPr>
@@ -1161,7 +1166,7 @@
             <a:fld id="{A4AAEA4C-2FC0-8F41-AA8D-DA93A16F9072}" type="datetimeFigureOut">
               <a:rPr lang="en-US" smtClean="0"/>
               <a:pPr/>
-              <a:t>10/20/11</a:t>
+              <a:t>22/10/2011</a:t>
             </a:fld>
             <a:endParaRPr lang="en-US"/>
           </a:p>
@@ -1219,7 +1224,7 @@
 </file>
 
 <file path=ppt/slideLayouts/slideLayout3.xml><?xml version="1.0" encoding="utf-8"?>
-<p:sldLayout xmlns:a="http://schemas.openxmlformats.org/drawingml/2006/main" xmlns:r="http://schemas.openxmlformats.org/officeDocument/2006/relationships" xmlns:mc="http://schemas.openxmlformats.org/markup-compatibility/2006" xmlns:mv="urn:schemas-microsoft-com:mac:vml" xmlns:p="http://schemas.openxmlformats.org/presentationml/2006/main" mc:Ignorable="mv" mc:PreserveAttributes="mv:*" type="secHead" preserve="1">
+<p:sldLayout xmlns:a="http://schemas.openxmlformats.org/drawingml/2006/main" xmlns:r="http://schemas.openxmlformats.org/officeDocument/2006/relationships" xmlns:p="http://schemas.openxmlformats.org/presentationml/2006/main" type="secHead" preserve="1">
   <p:cSld name="Section Header">
     <p:spTree>
       <p:nvGrpSpPr>
@@ -1404,7 +1409,7 @@
             <a:fld id="{A4AAEA4C-2FC0-8F41-AA8D-DA93A16F9072}" type="datetimeFigureOut">
               <a:rPr lang="en-US" smtClean="0"/>
               <a:pPr/>
-              <a:t>10/20/11</a:t>
+              <a:t>22/10/2011</a:t>
             </a:fld>
             <a:endParaRPr lang="en-US"/>
           </a:p>
@@ -1462,7 +1467,7 @@
 </file>
 
 <file path=ppt/slideLayouts/slideLayout4.xml><?xml version="1.0" encoding="utf-8"?>
-<p:sldLayout xmlns:a="http://schemas.openxmlformats.org/drawingml/2006/main" xmlns:r="http://schemas.openxmlformats.org/officeDocument/2006/relationships" xmlns:mc="http://schemas.openxmlformats.org/markup-compatibility/2006" xmlns:mv="urn:schemas-microsoft-com:mac:vml" xmlns:p="http://schemas.openxmlformats.org/presentationml/2006/main" mc:Ignorable="mv" mc:PreserveAttributes="mv:*" type="twoObj" preserve="1">
+<p:sldLayout xmlns:a="http://schemas.openxmlformats.org/drawingml/2006/main" xmlns:r="http://schemas.openxmlformats.org/officeDocument/2006/relationships" xmlns:p="http://schemas.openxmlformats.org/presentationml/2006/main" type="twoObj" preserve="1">
   <p:cSld name="Two Content">
     <p:spTree>
       <p:nvGrpSpPr>
@@ -1689,7 +1694,7 @@
             <a:fld id="{A4AAEA4C-2FC0-8F41-AA8D-DA93A16F9072}" type="datetimeFigureOut">
               <a:rPr lang="en-US" smtClean="0"/>
               <a:pPr/>
-              <a:t>10/20/11</a:t>
+              <a:t>22/10/2011</a:t>
             </a:fld>
             <a:endParaRPr lang="en-US"/>
           </a:p>
@@ -1747,7 +1752,7 @@
 </file>
 
 <file path=ppt/slideLayouts/slideLayout5.xml><?xml version="1.0" encoding="utf-8"?>
-<p:sldLayout xmlns:a="http://schemas.openxmlformats.org/drawingml/2006/main" xmlns:r="http://schemas.openxmlformats.org/officeDocument/2006/relationships" xmlns:mc="http://schemas.openxmlformats.org/markup-compatibility/2006" xmlns:mv="urn:schemas-microsoft-com:mac:vml" xmlns:p="http://schemas.openxmlformats.org/presentationml/2006/main" mc:Ignorable="mv" mc:PreserveAttributes="mv:*" type="twoTxTwoObj" preserve="1">
+<p:sldLayout xmlns:a="http://schemas.openxmlformats.org/drawingml/2006/main" xmlns:r="http://schemas.openxmlformats.org/officeDocument/2006/relationships" xmlns:p="http://schemas.openxmlformats.org/presentationml/2006/main" type="twoTxTwoObj" preserve="1">
   <p:cSld name="Comparison">
     <p:spTree>
       <p:nvGrpSpPr>
@@ -2108,7 +2113,7 @@
             <a:fld id="{A4AAEA4C-2FC0-8F41-AA8D-DA93A16F9072}" type="datetimeFigureOut">
               <a:rPr lang="en-US" smtClean="0"/>
               <a:pPr/>
-              <a:t>10/20/11</a:t>
+              <a:t>22/10/2011</a:t>
             </a:fld>
             <a:endParaRPr lang="en-US"/>
           </a:p>
@@ -2166,7 +2171,7 @@
 </file>
 
 <file path=ppt/slideLayouts/slideLayout6.xml><?xml version="1.0" encoding="utf-8"?>
-<p:sldLayout xmlns:a="http://schemas.openxmlformats.org/drawingml/2006/main" xmlns:r="http://schemas.openxmlformats.org/officeDocument/2006/relationships" xmlns:mc="http://schemas.openxmlformats.org/markup-compatibility/2006" xmlns:mv="urn:schemas-microsoft-com:mac:vml" xmlns:p="http://schemas.openxmlformats.org/presentationml/2006/main" mc:Ignorable="mv" mc:PreserveAttributes="mv:*" type="titleOnly" preserve="1">
+<p:sldLayout xmlns:a="http://schemas.openxmlformats.org/drawingml/2006/main" xmlns:r="http://schemas.openxmlformats.org/officeDocument/2006/relationships" xmlns:p="http://schemas.openxmlformats.org/presentationml/2006/main" type="titleOnly" preserve="1">
   <p:cSld name="Title Only">
     <p:spTree>
       <p:nvGrpSpPr>
@@ -2223,7 +2228,7 @@
             <a:fld id="{A4AAEA4C-2FC0-8F41-AA8D-DA93A16F9072}" type="datetimeFigureOut">
               <a:rPr lang="en-US" smtClean="0"/>
               <a:pPr/>
-              <a:t>10/20/11</a:t>
+              <a:t>22/10/2011</a:t>
             </a:fld>
             <a:endParaRPr lang="en-US"/>
           </a:p>
@@ -2281,7 +2286,7 @@
 </file>
 
 <file path=ppt/slideLayouts/slideLayout7.xml><?xml version="1.0" encoding="utf-8"?>
-<p:sldLayout xmlns:a="http://schemas.openxmlformats.org/drawingml/2006/main" xmlns:r="http://schemas.openxmlformats.org/officeDocument/2006/relationships" xmlns:mc="http://schemas.openxmlformats.org/markup-compatibility/2006" xmlns:mv="urn:schemas-microsoft-com:mac:vml" xmlns:p="http://schemas.openxmlformats.org/presentationml/2006/main" mc:Ignorable="mv" mc:PreserveAttributes="mv:*" type="blank" preserve="1">
+<p:sldLayout xmlns:a="http://schemas.openxmlformats.org/drawingml/2006/main" xmlns:r="http://schemas.openxmlformats.org/officeDocument/2006/relationships" xmlns:p="http://schemas.openxmlformats.org/presentationml/2006/main" type="blank" preserve="1">
   <p:cSld name="Blank">
     <p:spTree>
       <p:nvGrpSpPr>
@@ -2315,7 +2320,7 @@
             <a:fld id="{A4AAEA4C-2FC0-8F41-AA8D-DA93A16F9072}" type="datetimeFigureOut">
               <a:rPr lang="en-US" smtClean="0"/>
               <a:pPr/>
-              <a:t>10/20/11</a:t>
+              <a:t>22/10/2011</a:t>
             </a:fld>
             <a:endParaRPr lang="en-US"/>
           </a:p>
@@ -2373,7 +2378,7 @@
 </file>
 
 <file path=ppt/slideLayouts/slideLayout8.xml><?xml version="1.0" encoding="utf-8"?>
-<p:sldLayout xmlns:a="http://schemas.openxmlformats.org/drawingml/2006/main" xmlns:r="http://schemas.openxmlformats.org/officeDocument/2006/relationships" xmlns:mc="http://schemas.openxmlformats.org/markup-compatibility/2006" xmlns:mv="urn:schemas-microsoft-com:mac:vml" xmlns:p="http://schemas.openxmlformats.org/presentationml/2006/main" mc:Ignorable="mv" mc:PreserveAttributes="mv:*" type="objTx" preserve="1">
+<p:sldLayout xmlns:a="http://schemas.openxmlformats.org/drawingml/2006/main" xmlns:r="http://schemas.openxmlformats.org/officeDocument/2006/relationships" xmlns:p="http://schemas.openxmlformats.org/presentationml/2006/main" type="objTx" preserve="1">
   <p:cSld name="Content with Caption">
     <p:spTree>
       <p:nvGrpSpPr>
@@ -2589,7 +2594,7 @@
             <a:fld id="{A4AAEA4C-2FC0-8F41-AA8D-DA93A16F9072}" type="datetimeFigureOut">
               <a:rPr lang="en-US" smtClean="0"/>
               <a:pPr/>
-              <a:t>10/20/11</a:t>
+              <a:t>22/10/2011</a:t>
             </a:fld>
             <a:endParaRPr lang="en-US"/>
           </a:p>
@@ -2647,7 +2652,7 @@
 </file>
 
 <file path=ppt/slideLayouts/slideLayout9.xml><?xml version="1.0" encoding="utf-8"?>
-<p:sldLayout xmlns:a="http://schemas.openxmlformats.org/drawingml/2006/main" xmlns:r="http://schemas.openxmlformats.org/officeDocument/2006/relationships" xmlns:mc="http://schemas.openxmlformats.org/markup-compatibility/2006" xmlns:mv="urn:schemas-microsoft-com:mac:vml" xmlns:p="http://schemas.openxmlformats.org/presentationml/2006/main" mc:Ignorable="mv" mc:PreserveAttributes="mv:*" type="picTx" preserve="1">
+<p:sldLayout xmlns:a="http://schemas.openxmlformats.org/drawingml/2006/main" xmlns:r="http://schemas.openxmlformats.org/officeDocument/2006/relationships" xmlns:p="http://schemas.openxmlformats.org/presentationml/2006/main" type="picTx" preserve="1">
   <p:cSld name="Picture with Caption">
     <p:spTree>
       <p:nvGrpSpPr>
@@ -2839,7 +2844,7 @@
             <a:fld id="{A4AAEA4C-2FC0-8F41-AA8D-DA93A16F9072}" type="datetimeFigureOut">
               <a:rPr lang="en-US" smtClean="0"/>
               <a:pPr/>
-              <a:t>10/20/11</a:t>
+              <a:t>22/10/2011</a:t>
             </a:fld>
             <a:endParaRPr lang="en-US"/>
           </a:p>
@@ -2897,7 +2902,7 @@
 </file>
 
 <file path=ppt/slideMasters/slideMaster1.xml><?xml version="1.0" encoding="utf-8"?>
-<p:sldMaster xmlns:a="http://schemas.openxmlformats.org/drawingml/2006/main" xmlns:r="http://schemas.openxmlformats.org/officeDocument/2006/relationships" xmlns:mc="http://schemas.openxmlformats.org/markup-compatibility/2006" xmlns:mv="urn:schemas-microsoft-com:mac:vml" xmlns:p="http://schemas.openxmlformats.org/presentationml/2006/main" mc:Ignorable="mv" mc:PreserveAttributes="mv:*">
+<p:sldMaster xmlns:a="http://schemas.openxmlformats.org/drawingml/2006/main" xmlns:r="http://schemas.openxmlformats.org/officeDocument/2006/relationships" xmlns:p="http://schemas.openxmlformats.org/presentationml/2006/main">
   <p:cSld>
     <p:bg>
       <p:bgRef idx="1001">
@@ -3109,7 +3114,7 @@
             <a:fld id="{A4AAEA4C-2FC0-8F41-AA8D-DA93A16F9072}" type="datetimeFigureOut">
               <a:rPr lang="en-US" smtClean="0"/>
               <a:pPr/>
-              <a:t>10/20/11</a:t>
+              <a:t>22/10/2011</a:t>
             </a:fld>
             <a:endParaRPr lang="en-US"/>
           </a:p>
@@ -3464,7 +3469,7 @@
 </file>
 
 <file path=ppt/slides/slide1.xml><?xml version="1.0" encoding="utf-8"?>
-<p:sld xmlns:a="http://schemas.openxmlformats.org/drawingml/2006/main" xmlns:r="http://schemas.openxmlformats.org/officeDocument/2006/relationships" xmlns:mc="http://schemas.openxmlformats.org/markup-compatibility/2006" xmlns:mv="urn:schemas-microsoft-com:mac:vml" xmlns:p="http://schemas.openxmlformats.org/presentationml/2006/main" mc:Ignorable="mv" mc:PreserveAttributes="mv:*">
+<p:sld xmlns:a="http://schemas.openxmlformats.org/drawingml/2006/main" xmlns:r="http://schemas.openxmlformats.org/officeDocument/2006/relationships" xmlns:p="http://schemas.openxmlformats.org/presentationml/2006/main">
   <p:cSld>
     <p:spTree>
       <p:nvGrpSpPr>
@@ -3638,7 +3643,7 @@
   <p:timing>
     <p:tnLst>
       <p:par>
-        <p:cTn id="1" dur="indefinite" restart="never" nodeType="tmRoot"/>
+        <p:cTn xmlns:p14="http://schemas.microsoft.com/office/powerpoint/2010/main" id="1" dur="indefinite" restart="never" nodeType="tmRoot"/>
       </p:par>
     </p:tnLst>
   </p:timing>
@@ -3646,7 +3651,7 @@
 </file>
 
 <file path=ppt/slides/slide10.xml><?xml version="1.0" encoding="utf-8"?>
-<p:sld xmlns:a="http://schemas.openxmlformats.org/drawingml/2006/main" xmlns:r="http://schemas.openxmlformats.org/officeDocument/2006/relationships" xmlns:mc="http://schemas.openxmlformats.org/markup-compatibility/2006" xmlns:mv="urn:schemas-microsoft-com:mac:vml" xmlns:p="http://schemas.openxmlformats.org/presentationml/2006/main" mc:Ignorable="mv" mc:PreserveAttributes="mv:*">
+<p:sld xmlns:a="http://schemas.openxmlformats.org/drawingml/2006/main" xmlns:r="http://schemas.openxmlformats.org/officeDocument/2006/relationships" xmlns:p="http://schemas.openxmlformats.org/presentationml/2006/main">
   <p:cSld>
     <p:spTree>
       <p:nvGrpSpPr>
@@ -3717,7 +3722,6 @@
               <a:rPr lang="en-US" dirty="0" smtClean="0"/>
               <a:t>=</a:t>
             </a:r>
-            <a:endParaRPr lang="en-US" dirty="0" smtClean="0"/>
           </a:p>
           <a:p>
             <a:pPr algn="ctr"/>
@@ -3742,7 +3746,7 @@
 </file>
 
 <file path=ppt/slides/slide2.xml><?xml version="1.0" encoding="utf-8"?>
-<p:sld xmlns:a="http://schemas.openxmlformats.org/drawingml/2006/main" xmlns:r="http://schemas.openxmlformats.org/officeDocument/2006/relationships" xmlns:mc="http://schemas.openxmlformats.org/markup-compatibility/2006" xmlns:mv="urn:schemas-microsoft-com:mac:vml" xmlns:p="http://schemas.openxmlformats.org/presentationml/2006/main" mc:Ignorable="mv" mc:PreserveAttributes="mv:*">
+<p:sld xmlns:a="http://schemas.openxmlformats.org/drawingml/2006/main" xmlns:r="http://schemas.openxmlformats.org/officeDocument/2006/relationships" xmlns:p="http://schemas.openxmlformats.org/presentationml/2006/main">
   <p:cSld>
     <p:spTree>
       <p:nvGrpSpPr>
@@ -3774,8 +3778,8 @@
           <a:lstStyle/>
           <a:p>
             <a:r>
-              <a:rPr lang="en-US" dirty="0" smtClean="0"/>
-              <a:t>Learning objectives</a:t>
+              <a:rPr lang="en-US" smtClean="0"/>
+              <a:t>Learning points</a:t>
             </a:r>
             <a:endParaRPr lang="en-US" dirty="0"/>
           </a:p>
@@ -3799,16 +3803,27 @@
           <a:lstStyle/>
           <a:p>
             <a:r>
-              <a:rPr lang="en-US" dirty="0" smtClean="0"/>
-              <a:t>Be able to judge the effect of adding </a:t>
-            </a:r>
-            <a:r>
-              <a:rPr lang="en-US" dirty="0" err="1" smtClean="0"/>
+              <a:rPr lang="en-US" dirty="0"/>
+              <a:t>How to add </a:t>
+            </a:r>
+            <a:r>
+              <a:rPr lang="en-US" dirty="0" err="1"/>
               <a:t>miseq</a:t>
             </a:r>
             <a:r>
-              <a:rPr lang="en-US" dirty="0" smtClean="0"/>
-              <a:t> reads to a 454 read dataset using newbler</a:t>
+              <a:rPr lang="en-US" dirty="0"/>
+              <a:t> reads to a 454 read dataset using </a:t>
+            </a:r>
+            <a:r>
+              <a:rPr lang="en-US" dirty="0" err="1"/>
+              <a:t>newbler</a:t>
+            </a:r>
+            <a:endParaRPr lang="en-US" dirty="0"/>
+          </a:p>
+          <a:p>
+            <a:r>
+              <a:rPr lang="en-US"/>
+              <a:t>How to judge the effect </a:t>
             </a:r>
             <a:endParaRPr lang="en-US" dirty="0"/>
           </a:p>
@@ -3823,7 +3838,7 @@
 </file>
 
 <file path=ppt/slides/slide3.xml><?xml version="1.0" encoding="utf-8"?>
-<p:sld xmlns:a="http://schemas.openxmlformats.org/drawingml/2006/main" xmlns:r="http://schemas.openxmlformats.org/officeDocument/2006/relationships" xmlns:mc="http://schemas.openxmlformats.org/markup-compatibility/2006" xmlns:mv="urn:schemas-microsoft-com:mac:vml" xmlns:p="http://schemas.openxmlformats.org/presentationml/2006/main" mc:Ignorable="mv" mc:PreserveAttributes="mv:*">
+<p:sld xmlns:a="http://schemas.openxmlformats.org/drawingml/2006/main" xmlns:r="http://schemas.openxmlformats.org/officeDocument/2006/relationships" xmlns:p="http://schemas.openxmlformats.org/presentationml/2006/main">
   <p:cSld>
     <p:spTree>
       <p:nvGrpSpPr>
@@ -3882,7 +3897,6 @@
               <a:rPr lang="en-US" dirty="0" smtClean="0"/>
               <a:t>using different technologies</a:t>
             </a:r>
-            <a:endParaRPr lang="en-US" dirty="0" smtClean="0"/>
           </a:p>
           <a:p>
             <a:pPr algn="ctr"/>
@@ -3930,7 +3944,7 @@
 </file>
 
 <file path=ppt/slides/slide4.xml><?xml version="1.0" encoding="utf-8"?>
-<p:sld xmlns:a="http://schemas.openxmlformats.org/drawingml/2006/main" xmlns:r="http://schemas.openxmlformats.org/officeDocument/2006/relationships" xmlns:mc="http://schemas.openxmlformats.org/markup-compatibility/2006" xmlns:mv="urn:schemas-microsoft-com:mac:vml" xmlns:p="http://schemas.openxmlformats.org/presentationml/2006/main" mc:Ignorable="mv" mc:PreserveAttributes="mv:*">
+<p:sld xmlns:a="http://schemas.openxmlformats.org/drawingml/2006/main" xmlns:r="http://schemas.openxmlformats.org/officeDocument/2006/relationships" xmlns:p="http://schemas.openxmlformats.org/presentationml/2006/main">
   <p:cSld>
     <p:spTree>
       <p:nvGrpSpPr>
@@ -4029,7 +4043,7 @@
 </file>
 
 <file path=ppt/slides/slide5.xml><?xml version="1.0" encoding="utf-8"?>
-<p:sld xmlns:a="http://schemas.openxmlformats.org/drawingml/2006/main" xmlns:r="http://schemas.openxmlformats.org/officeDocument/2006/relationships" xmlns:mc="http://schemas.openxmlformats.org/markup-compatibility/2006" xmlns:mv="urn:schemas-microsoft-com:mac:vml" xmlns:p="http://schemas.openxmlformats.org/presentationml/2006/main" mc:Ignorable="mv" mc:PreserveAttributes="mv:*">
+<p:sld xmlns:a="http://schemas.openxmlformats.org/drawingml/2006/main" xmlns:r="http://schemas.openxmlformats.org/officeDocument/2006/relationships" xmlns:p="http://schemas.openxmlformats.org/presentationml/2006/main">
   <p:cSld>
     <p:spTree>
       <p:nvGrpSpPr>
@@ -4102,7 +4116,6 @@
               <a:rPr lang="en-US" dirty="0" smtClean="0"/>
               <a:t>Correct assembly with data from other technology/technologies</a:t>
             </a:r>
-            <a:endParaRPr lang="en-US" dirty="0" smtClean="0"/>
           </a:p>
           <a:p>
             <a:pPr algn="ctr"/>
@@ -4135,7 +4148,7 @@
   <p:timing>
     <p:tnLst>
       <p:par>
-        <p:cTn id="1" dur="indefinite" restart="never" nodeType="tmRoot"/>
+        <p:cTn xmlns:p14="http://schemas.microsoft.com/office/powerpoint/2010/main" id="1" dur="indefinite" restart="never" nodeType="tmRoot"/>
       </p:par>
     </p:tnLst>
   </p:timing>
@@ -4143,7 +4156,7 @@
 </file>
 
 <file path=ppt/slides/slide6.xml><?xml version="1.0" encoding="utf-8"?>
-<p:sld xmlns:a="http://schemas.openxmlformats.org/drawingml/2006/main" xmlns:r="http://schemas.openxmlformats.org/officeDocument/2006/relationships" xmlns:mc="http://schemas.openxmlformats.org/markup-compatibility/2006" xmlns:mv="urn:schemas-microsoft-com:mac:vml" xmlns:p="http://schemas.openxmlformats.org/presentationml/2006/main" mc:Ignorable="mv" mc:PreserveAttributes="mv:*">
+<p:sld xmlns:a="http://schemas.openxmlformats.org/drawingml/2006/main" xmlns:r="http://schemas.openxmlformats.org/officeDocument/2006/relationships" xmlns:p="http://schemas.openxmlformats.org/presentationml/2006/main">
   <p:cSld>
     <p:spTree>
       <p:nvGrpSpPr>
@@ -4192,26 +4205,13 @@
             <p:ph idx="1"/>
           </p:nvPr>
         </p:nvPicPr>
-        <mc:AlternateContent>
-          <mc:Choice xmlns:ma="http://schemas.microsoft.com/office/mac/drawingml/2008/main" Requires="ma">
-            <p:blipFill>
-              <a:blip r:embed="rId2"/>
-              <a:srcRect l="-1991" r="-2121"/>
-              <a:stretch>
-                <a:fillRect/>
-              </a:stretch>
-            </p:blipFill>
-          </mc:Choice>
-          <mc:Fallback>
-            <p:blipFill>
-              <a:blip r:embed="rId3"/>
-              <a:srcRect l="-1991" r="-2121"/>
-              <a:stretch>
-                <a:fillRect/>
-              </a:stretch>
-            </p:blipFill>
-          </mc:Fallback>
-        </mc:AlternateContent>
+        <p:blipFill>
+          <a:blip r:embed="rId2"/>
+          <a:srcRect l="-1991" r="-2121"/>
+          <a:stretch>
+            <a:fillRect/>
+          </a:stretch>
+        </p:blipFill>
         <p:spPr>
           <a:xfrm>
             <a:off x="958428" y="1600200"/>
@@ -4312,7 +4312,7 @@
             <p:nvPr/>
           </p:nvPicPr>
           <p:blipFill>
-            <a:blip r:embed="rId4"/>
+            <a:blip r:embed="rId3"/>
             <a:srcRect l="31234" r="28876"/>
             <a:stretch>
               <a:fillRect/>
@@ -4388,7 +4388,7 @@
   <p:timing>
     <p:tnLst>
       <p:par>
-        <p:cTn id="1" dur="indefinite" restart="never" nodeType="tmRoot">
+        <p:cTn xmlns:p14="http://schemas.microsoft.com/office/powerpoint/2010/main" id="1" dur="indefinite" restart="never" nodeType="tmRoot">
           <p:childTnLst>
             <p:seq concurrent="1" nextAc="seek">
               <p:cTn id="2" dur="indefinite" nodeType="mainSeq">
@@ -4464,7 +4464,7 @@
 </file>
 
 <file path=ppt/slides/slide7.xml><?xml version="1.0" encoding="utf-8"?>
-<p:sld xmlns:a="http://schemas.openxmlformats.org/drawingml/2006/main" xmlns:r="http://schemas.openxmlformats.org/officeDocument/2006/relationships" xmlns:mc="http://schemas.openxmlformats.org/markup-compatibility/2006" xmlns:mv="urn:schemas-microsoft-com:mac:vml" xmlns:p="http://schemas.openxmlformats.org/presentationml/2006/main" mc:Ignorable="mv" mc:PreserveAttributes="mv:*">
+<p:sld xmlns:a="http://schemas.openxmlformats.org/drawingml/2006/main" xmlns:r="http://schemas.openxmlformats.org/officeDocument/2006/relationships" xmlns:p="http://schemas.openxmlformats.org/presentationml/2006/main">
   <p:cSld>
     <p:spTree>
       <p:nvGrpSpPr>
@@ -4582,11 +4582,7 @@
             </a:r>
             <a:r>
               <a:rPr lang="en-US" dirty="0" smtClean="0"/>
-              <a:t>	</a:t>
-            </a:r>
-            <a:r>
-              <a:rPr lang="en-US" dirty="0" smtClean="0"/>
-              <a:t>454 and </a:t>
+              <a:t>	454 and </a:t>
             </a:r>
             <a:r>
               <a:rPr lang="en-US" dirty="0" err="1" smtClean="0"/>
@@ -4599,7 +4595,6 @@
               <a:rPr lang="en-US" dirty="0" smtClean="0"/>
               <a:t>Newbler</a:t>
             </a:r>
-            <a:endParaRPr lang="en-US" dirty="0" smtClean="0"/>
           </a:p>
           <a:p>
             <a:r>
@@ -4661,7 +4656,7 @@
 </file>
 
 <file path=ppt/slides/slide8.xml><?xml version="1.0" encoding="utf-8"?>
-<p:sld xmlns:a="http://schemas.openxmlformats.org/drawingml/2006/main" xmlns:r="http://schemas.openxmlformats.org/officeDocument/2006/relationships" xmlns:mc="http://schemas.openxmlformats.org/markup-compatibility/2006" xmlns:mv="urn:schemas-microsoft-com:mac:vml" xmlns:p="http://schemas.openxmlformats.org/presentationml/2006/main" mc:Ignorable="mv" mc:PreserveAttributes="mv:*">
+<p:sld xmlns:a="http://schemas.openxmlformats.org/drawingml/2006/main" xmlns:r="http://schemas.openxmlformats.org/officeDocument/2006/relationships" xmlns:p="http://schemas.openxmlformats.org/presentationml/2006/main">
   <p:cSld>
     <p:spTree>
       <p:nvGrpSpPr>
@@ -4744,7 +4739,7 @@
 </file>
 
 <file path=ppt/slides/slide9.xml><?xml version="1.0" encoding="utf-8"?>
-<p:sld xmlns:a="http://schemas.openxmlformats.org/drawingml/2006/main" xmlns:r="http://schemas.openxmlformats.org/officeDocument/2006/relationships" xmlns:mc="http://schemas.openxmlformats.org/markup-compatibility/2006" xmlns:mv="urn:schemas-microsoft-com:mac:vml" xmlns:p="http://schemas.openxmlformats.org/presentationml/2006/main" mc:Ignorable="mv" mc:PreserveAttributes="mv:*">
+<p:sld xmlns:a="http://schemas.openxmlformats.org/drawingml/2006/main" xmlns:r="http://schemas.openxmlformats.org/officeDocument/2006/relationships" xmlns:p="http://schemas.openxmlformats.org/presentationml/2006/main">
   <p:cSld>
     <p:spTree>
       <p:nvGrpSpPr>
